--- a/team07 プレゼン.pptx
+++ b/team07 プレゼン.pptx
@@ -6014,8 +6014,8 @@
         </p:nvSpPr>
         <p:spPr>
           <a:xfrm>
-            <a:off x="677334" y="1484853"/>
-            <a:ext cx="8596668" cy="3880773"/>
+            <a:off x="677333" y="1484853"/>
+            <a:ext cx="9424609" cy="3880773"/>
           </a:xfrm>
         </p:spPr>
         <p:txBody>
@@ -6028,40 +6028,40 @@
               <a:buNone/>
             </a:pPr>
             <a:r>
-              <a:rPr lang="ja-JP" altLang="en-US" sz="2800" b="1">
+              <a:rPr lang="ja-JP" altLang="en-US" sz="2800" b="1" dirty="0">
                 <a:latin typeface="Meiryo"/>
                 <a:ea typeface="Meiryo"/>
               </a:rPr>
               <a:t>ゲームの目的</a:t>
             </a:r>
             <a:r>
-              <a:rPr lang="en-US" altLang="ja-JP" sz="2800" b="1">
+              <a:rPr lang="en-US" altLang="ja-JP" sz="2800" b="1" dirty="0">
                 <a:latin typeface="Meiryo"/>
                 <a:ea typeface="メイリオ"/>
               </a:rPr>
               <a:t>:</a:t>
             </a:r>
-            <a:endParaRPr lang="ja-JP" altLang="en-US" sz="2800">
+            <a:endParaRPr lang="ja-JP" altLang="en-US" sz="2800" dirty="0">
               <a:latin typeface="Meiryo"/>
               <a:ea typeface="Meiryo"/>
             </a:endParaRPr>
           </a:p>
           <a:p>
             <a:r>
-              <a:rPr lang="ja-JP" altLang="en-US" sz="2800">
+              <a:rPr lang="ja-JP" altLang="en-US" sz="2800" dirty="0">
                 <a:latin typeface="Meiryo"/>
                 <a:ea typeface="Meiryo"/>
               </a:rPr>
-              <a:t>自機を操作し、敵を撃破するシューティングゲームです。</a:t>
-            </a:r>
-          </a:p>
-          <a:p>
-            <a:r>
-              <a:rPr lang="ja-JP" altLang="en-US" sz="2800">
+              <a:t>自機を操作し、敵を撃破するシューティングゲーム</a:t>
+            </a:r>
+          </a:p>
+          <a:p>
+            <a:r>
+              <a:rPr lang="ja-JP" altLang="en-US" sz="2800" dirty="0">
                 <a:latin typeface="Meiryo"/>
                 <a:ea typeface="Meiryo"/>
               </a:rPr>
-              <a:t>敵の弾を避けながら、すべての敵を倒してゲームクリアを目指します。</a:t>
+              <a:t>敵の弾を避けながら、すべての敵を倒してゲームクリアを目指す</a:t>
             </a:r>
           </a:p>
           <a:p>
@@ -6069,53 +6069,53 @@
               <a:buNone/>
             </a:pPr>
             <a:r>
-              <a:rPr lang="ja-JP" altLang="en-US" sz="2800" b="1">
+              <a:rPr lang="ja-JP" altLang="en-US" sz="2800" b="1" dirty="0">
                 <a:latin typeface="Meiryo"/>
                 <a:ea typeface="Meiryo"/>
               </a:rPr>
               <a:t>特徴</a:t>
             </a:r>
             <a:r>
-              <a:rPr lang="en-US" altLang="ja-JP" sz="2800" b="1">
+              <a:rPr lang="en-US" altLang="ja-JP" sz="2800" b="1" dirty="0">
                 <a:latin typeface="Meiryo"/>
                 <a:ea typeface="メイリオ"/>
               </a:rPr>
               <a:t>:</a:t>
             </a:r>
-            <a:endParaRPr lang="ja-JP" altLang="en-US" sz="2800">
+            <a:endParaRPr lang="ja-JP" altLang="en-US" sz="2800" dirty="0">
               <a:latin typeface="Meiryo"/>
               <a:ea typeface="Meiryo"/>
             </a:endParaRPr>
           </a:p>
           <a:p>
             <a:r>
-              <a:rPr lang="ja-JP" altLang="en-US" sz="2800">
+              <a:rPr lang="ja-JP" altLang="en-US" sz="2800" dirty="0">
                 <a:latin typeface="Meiryo"/>
                 <a:ea typeface="Meiryo"/>
               </a:rPr>
-              <a:t>シンプルな操作性で誰でも楽しめる。</a:t>
-            </a:r>
-          </a:p>
-          <a:p>
-            <a:r>
-              <a:rPr lang="ja-JP" altLang="en-US" sz="2800">
+              <a:t>シンプルな操作性で誰でも楽しめる</a:t>
+            </a:r>
+          </a:p>
+          <a:p>
+            <a:r>
+              <a:rPr lang="ja-JP" altLang="en-US" sz="2800" dirty="0">
                 <a:latin typeface="Meiryo"/>
                 <a:ea typeface="Meiryo"/>
               </a:rPr>
-              <a:t>難易度選択機能で、初心者から上級者まで対応。</a:t>
-            </a:r>
-          </a:p>
-          <a:p>
-            <a:r>
-              <a:rPr lang="ja-JP" altLang="en-US" sz="2800">
+              <a:t>難易度選択機能で、初心者から上級者まで対応</a:t>
+            </a:r>
+          </a:p>
+          <a:p>
+            <a:r>
+              <a:rPr lang="ja-JP" altLang="en-US" sz="2800" dirty="0">
                 <a:latin typeface="Meiryo"/>
                 <a:ea typeface="Meiryo"/>
               </a:rPr>
-              <a:t>プレイヤーと敵の弾による緊張感のあるバトル。</a:t>
-            </a:r>
-          </a:p>
-          <a:p>
-            <a:endParaRPr lang="ja-JP" altLang="en-US">
+              <a:t>プレイヤーと敵の弾による緊張感のあるバトル</a:t>
+            </a:r>
+          </a:p>
+          <a:p>
+            <a:endParaRPr lang="ja-JP" altLang="en-US" dirty="0">
               <a:latin typeface="Meiryo"/>
               <a:ea typeface="Meiryo"/>
             </a:endParaRPr>
@@ -6218,13 +6218,13 @@
               <a:buNone/>
             </a:pPr>
             <a:r>
-              <a:rPr lang="ja-JP" altLang="en-US" sz="2400" b="1">
+              <a:rPr lang="ja-JP" altLang="en-US" sz="2400" b="1" dirty="0">
                 <a:latin typeface="BIZ UDPゴシック"/>
                 <a:ea typeface="BIZ UDPゴシック" panose="020B0400000000000000" pitchFamily="50" charset="-128"/>
               </a:rPr>
               <a:t>ゲームの流れ：</a:t>
             </a:r>
-            <a:endParaRPr lang="ja-JP" altLang="en-US" sz="2400">
+            <a:endParaRPr lang="ja-JP" altLang="en-US" sz="2400" dirty="0">
               <a:latin typeface="BIZ UDPゴシック"/>
               <a:ea typeface="BIZ UDPゴシック" panose="020B0400000000000000" pitchFamily="50" charset="-128"/>
             </a:endParaRPr>
@@ -6234,39 +6234,39 @@
               <a:buAutoNum type="arabicPeriod"/>
             </a:pPr>
             <a:r>
-              <a:rPr lang="ja-JP" altLang="en-US" sz="2400">
+              <a:rPr lang="ja-JP" altLang="en-US" sz="2400" dirty="0">
                 <a:latin typeface="BIZ UDPゴシック"/>
                 <a:ea typeface="BIZ UDPゴシック" panose="020B0400000000000000" pitchFamily="50" charset="-128"/>
               </a:rPr>
               <a:t>タイトル画面で難易度</a:t>
             </a:r>
             <a:r>
-              <a:rPr lang="en-US" altLang="ja-JP" sz="2400">
+              <a:rPr lang="en-US" altLang="ja-JP" sz="2400" dirty="0">
                 <a:latin typeface="BIZ UDPゴシック"/>
                 <a:ea typeface="BIZ UDPゴシック" panose="020B0400000000000000" pitchFamily="50" charset="-128"/>
               </a:rPr>
               <a:t>(Easy, Normal, Hard)</a:t>
             </a:r>
             <a:r>
-              <a:rPr lang="ja-JP" altLang="en-US" sz="2400">
+              <a:rPr lang="ja-JP" altLang="en-US" sz="2400" dirty="0">
                 <a:latin typeface="BIZ UDPゴシック"/>
                 <a:ea typeface="BIZ UDPゴシック" panose="020B0400000000000000" pitchFamily="50" charset="-128"/>
               </a:rPr>
               <a:t>を選択し「</a:t>
             </a:r>
             <a:r>
-              <a:rPr lang="en-US" altLang="ja-JP" sz="2400">
+              <a:rPr lang="en-US" altLang="ja-JP" sz="2400" dirty="0">
                 <a:latin typeface="BIZ UDPゴシック"/>
                 <a:ea typeface="BIZ UDPゴシック" panose="020B0400000000000000" pitchFamily="50" charset="-128"/>
               </a:rPr>
               <a:t> START </a:t>
             </a:r>
             <a:r>
-              <a:rPr lang="ja-JP" altLang="en-US" sz="2400">
+              <a:rPr lang="ja-JP" altLang="en-US" sz="2400" dirty="0">
                 <a:latin typeface="BIZ UDPゴシック"/>
                 <a:ea typeface="BIZ UDPゴシック" panose="020B0400000000000000" pitchFamily="50" charset="-128"/>
               </a:rPr>
-              <a:t>」を押すとゲームが開始します。</a:t>
+              <a:t>」を押すとゲームが開始</a:t>
             </a:r>
           </a:p>
           <a:p>
@@ -6274,11 +6274,11 @@
               <a:buAutoNum type="arabicPeriod"/>
             </a:pPr>
             <a:r>
-              <a:rPr lang="ja-JP" altLang="en-US" sz="2400">
+              <a:rPr lang="ja-JP" altLang="en-US" sz="2400" dirty="0">
                 <a:latin typeface="BIZ UDPゴシック"/>
                 <a:ea typeface="BIZ UDPゴシック" panose="020B0400000000000000" pitchFamily="50" charset="-128"/>
               </a:rPr>
-              <a:t>敵が一定時間ごとに弾を撃ってきます。 　</a:t>
+              <a:t>敵が一定時間ごとに弾を撃ってくる　</a:t>
             </a:r>
           </a:p>
           <a:p>
@@ -6286,25 +6286,25 @@
               <a:buAutoNum type="arabicPeriod"/>
             </a:pPr>
             <a:r>
-              <a:rPr lang="ja-JP" altLang="en-US" sz="2400">
+              <a:rPr lang="ja-JP" altLang="en-US" sz="2400" dirty="0">
                 <a:latin typeface="BIZ UDPゴシック"/>
                 <a:ea typeface="BIZ UDPゴシック" panose="020B0400000000000000" pitchFamily="50" charset="-128"/>
               </a:rPr>
               <a:t>すべての敵を倒すと「</a:t>
             </a:r>
             <a:r>
-              <a:rPr lang="en-US" altLang="ja-JP" sz="2400">
+              <a:rPr lang="en-US" altLang="ja-JP" sz="2400" dirty="0">
                 <a:latin typeface="BIZ UDPゴシック"/>
                 <a:ea typeface="BIZ UDPゴシック" panose="020B0400000000000000" pitchFamily="50" charset="-128"/>
               </a:rPr>
               <a:t>GAME CLEAR!</a:t>
             </a:r>
             <a:r>
-              <a:rPr lang="ja-JP" altLang="en-US" sz="2400">
+              <a:rPr lang="ja-JP" altLang="en-US" sz="2400" dirty="0">
                 <a:latin typeface="BIZ UDPゴシック"/>
                 <a:ea typeface="BIZ UDPゴシック" panose="020B0400000000000000" pitchFamily="50" charset="-128"/>
               </a:rPr>
-              <a:t>」と表示され、ゲームクリアです。 　</a:t>
+              <a:t>」と表示され、ゲームクリア 　</a:t>
             </a:r>
           </a:p>
           <a:p>
@@ -6312,13 +6312,13 @@
               <a:buAutoNum type="arabicPeriod"/>
             </a:pPr>
             <a:r>
-              <a:rPr lang="ja-JP" altLang="en-US" sz="2400">
+              <a:rPr lang="ja-JP" altLang="en-US" sz="2400" dirty="0">
                 <a:latin typeface="BIZ UDPゴシック"/>
                 <a:ea typeface="BIZ UDPゴシック" panose="020B0400000000000000" pitchFamily="50" charset="-128"/>
               </a:rPr>
-              <a:t>ゲームクリア時にはクリアタイムが表示されます。</a:t>
-            </a:r>
-            <a:endParaRPr lang="en-US" altLang="ja-JP" sz="2400">
+              <a:t>ゲームクリア時にはクリアタイムが表示される</a:t>
+            </a:r>
+            <a:endParaRPr lang="en-US" altLang="ja-JP" sz="2400" dirty="0">
               <a:latin typeface="BIZ UDPゴシック"/>
               <a:ea typeface="BIZ UDPゴシック" panose="020B0400000000000000" pitchFamily="50" charset="-128"/>
             </a:endParaRPr>
@@ -6328,13 +6328,13 @@
               <a:buAutoNum type="arabicPeriod"/>
             </a:pPr>
             <a:r>
-              <a:rPr lang="ja-JP" altLang="en-US" sz="2400">
+              <a:rPr lang="ja-JP" altLang="en-US" sz="2400" dirty="0">
                 <a:latin typeface="BIZ UDPゴシック"/>
                 <a:ea typeface="BIZ UDPゴシック" panose="020B0400000000000000" pitchFamily="50" charset="-128"/>
               </a:rPr>
-              <a:t>エンターキーを押すとタイトル画面に戻ります 。</a:t>
-            </a:r>
-            <a:endParaRPr lang="en-US" altLang="ja-JP" sz="2400">
+              <a:t>エンターキーを押すとタイトル画面に戻る</a:t>
+            </a:r>
+            <a:endParaRPr lang="en-US" altLang="ja-JP" sz="2400" dirty="0">
               <a:latin typeface="BIZ UDPゴシック"/>
               <a:ea typeface="BIZ UDPゴシック" panose="020B0400000000000000" pitchFamily="50" charset="-128"/>
             </a:endParaRPr>
@@ -6343,7 +6343,7 @@
             <a:pPr marL="0" indent="0">
               <a:buNone/>
             </a:pPr>
-            <a:endParaRPr lang="ja-JP" altLang="en-US" sz="2400">
+            <a:endParaRPr lang="ja-JP" altLang="en-US" sz="2400" dirty="0">
               <a:latin typeface="BIZ UDPゴシック"/>
               <a:ea typeface="メイリオ"/>
             </a:endParaRPr>
@@ -6353,24 +6353,24 @@
               <a:buNone/>
             </a:pPr>
             <a:r>
-              <a:rPr lang="ja-JP" altLang="en-US" sz="2400" b="1">
+              <a:rPr lang="ja-JP" altLang="en-US" sz="2400" b="1" dirty="0">
                 <a:ea typeface="メイリオ"/>
               </a:rPr>
               <a:t>ゲームオーバー画面</a:t>
             </a:r>
             <a:r>
-              <a:rPr lang="en-US" altLang="ja-JP" sz="2400" b="1">
+              <a:rPr lang="en-US" altLang="ja-JP" sz="2400" b="1" dirty="0">
                 <a:ea typeface="メイリオ"/>
               </a:rPr>
               <a:t>:</a:t>
             </a:r>
             <a:r>
-              <a:rPr lang="ja-JP" altLang="en-US" sz="2400" b="1">
+              <a:rPr lang="ja-JP" altLang="en-US" sz="2400" b="1" dirty="0">
                 <a:ea typeface="メイリオ"/>
               </a:rPr>
               <a:t>　</a:t>
             </a:r>
-            <a:endParaRPr lang="en-US" altLang="ja-JP" sz="2400" b="1">
+            <a:endParaRPr lang="en-US" altLang="ja-JP" sz="2400" b="1" dirty="0">
               <a:ea typeface="メイリオ"/>
             </a:endParaRPr>
           </a:p>
@@ -6379,24 +6379,24 @@
               <a:buNone/>
             </a:pPr>
             <a:r>
-              <a:rPr lang="ja-JP" altLang="en-US" sz="2400">
+              <a:rPr lang="ja-JP" altLang="en-US" sz="2400" dirty="0">
                 <a:ea typeface="メイリオ"/>
               </a:rPr>
               <a:t>自機が敵の弾に当たると「</a:t>
             </a:r>
             <a:r>
-              <a:rPr lang="en-US" altLang="ja-JP" sz="2400">
+              <a:rPr lang="en-US" altLang="ja-JP" sz="2400" dirty="0">
                 <a:ea typeface="メイリオ"/>
               </a:rPr>
               <a:t>GAME OVER</a:t>
             </a:r>
             <a:r>
-              <a:rPr lang="ja-JP" altLang="en-US" sz="2400">
-                <a:ea typeface="メイリオ"/>
-              </a:rPr>
-              <a:t>」と表示されます 。</a:t>
-            </a:r>
-            <a:endParaRPr lang="en-US" altLang="ja-JP" sz="2400">
+              <a:rPr lang="ja-JP" altLang="en-US" sz="2400" dirty="0">
+                <a:ea typeface="メイリオ"/>
+              </a:rPr>
+              <a:t>」と表示される</a:t>
+            </a:r>
+            <a:endParaRPr lang="en-US" altLang="ja-JP" sz="2400" dirty="0">
               <a:ea typeface="メイリオ"/>
             </a:endParaRPr>
           </a:p>
@@ -6405,17 +6405,17 @@
               <a:buNone/>
             </a:pPr>
             <a:r>
-              <a:rPr lang="ja-JP" altLang="en-US" sz="2400">
-                <a:ea typeface="メイリオ"/>
-              </a:rPr>
-              <a:t>エンターキーを押すとタイトル画面に戻ります 。</a:t>
+              <a:rPr lang="ja-JP" altLang="en-US" sz="2400" dirty="0">
+                <a:ea typeface="メイリオ"/>
+              </a:rPr>
+              <a:t>エンターキーを押すとタイトル画面に戻る</a:t>
             </a:r>
           </a:p>
           <a:p>
             <a:pPr marL="514350" indent="-514350">
               <a:buAutoNum type="arabicPeriod"/>
             </a:pPr>
-            <a:endParaRPr lang="en-US" altLang="ja-JP" sz="2400">
+            <a:endParaRPr lang="en-US" altLang="ja-JP" sz="2400" dirty="0">
               <a:ea typeface="游ゴシック"/>
             </a:endParaRPr>
           </a:p>
@@ -6423,7 +6423,7 @@
             <a:pPr marL="514350" indent="-514350">
               <a:buAutoNum type="arabicPeriod"/>
             </a:pPr>
-            <a:endParaRPr lang="en-US" altLang="ja-JP" sz="2400">
+            <a:endParaRPr lang="en-US" altLang="ja-JP" sz="2400" dirty="0">
               <a:ea typeface="游ゴシック"/>
             </a:endParaRPr>
           </a:p>
@@ -6431,7 +6431,7 @@
             <a:pPr marL="0" indent="0">
               <a:buNone/>
             </a:pPr>
-            <a:endParaRPr lang="ja-JP" altLang="en-US">
+            <a:endParaRPr lang="ja-JP" altLang="en-US" dirty="0">
               <a:ea typeface="游ゴシック"/>
             </a:endParaRPr>
           </a:p>
@@ -6439,7 +6439,7 @@
             <a:pPr>
               <a:buAutoNum type="arabicPeriod"/>
             </a:pPr>
-            <a:endParaRPr lang="en-US" altLang="ja-JP">
+            <a:endParaRPr lang="en-US" altLang="ja-JP" dirty="0">
               <a:ea typeface="游ゴシック"/>
             </a:endParaRPr>
           </a:p>
@@ -6522,7 +6522,7 @@
         <p:spPr>
           <a:xfrm>
             <a:off x="334993" y="1408681"/>
-            <a:ext cx="9998016" cy="4909911"/>
+            <a:ext cx="9734293" cy="4909911"/>
           </a:xfrm>
         </p:spPr>
         <p:txBody>
@@ -6535,13 +6535,13 @@
               <a:buNone/>
             </a:pPr>
             <a:r>
-              <a:rPr lang="ja-JP" altLang="en-US" sz="2800" b="1">
+              <a:rPr lang="ja-JP" altLang="en-US" sz="2800" b="1" dirty="0">
                 <a:ea typeface="メイリオ"/>
               </a:rPr>
               <a:t>構成</a:t>
             </a:r>
             <a:r>
-              <a:rPr lang="en-US" altLang="ja-JP" sz="2800" b="1">
+              <a:rPr lang="en-US" altLang="ja-JP" sz="2800" b="1" dirty="0">
                 <a:ea typeface="メイリオ"/>
               </a:rPr>
               <a:t>:</a:t>
@@ -6549,91 +6549,91 @@
           </a:p>
           <a:p>
             <a:r>
-              <a:rPr lang="ja-JP" altLang="en-US" sz="2800">
+              <a:rPr lang="ja-JP" altLang="en-US" sz="2800" dirty="0">
                 <a:ea typeface="メイリオ"/>
               </a:rPr>
               <a:t>自機 </a:t>
             </a:r>
             <a:r>
-              <a:rPr lang="en-US" altLang="ja-JP" sz="2800">
+              <a:rPr lang="en-US" altLang="ja-JP" sz="2800" dirty="0">
                 <a:ea typeface="メイリオ"/>
               </a:rPr>
               <a:t>(Player): </a:t>
             </a:r>
             <a:r>
-              <a:rPr lang="ja-JP" altLang="en-US" sz="2800">
-                <a:ea typeface="メイリオ"/>
-              </a:rPr>
-              <a:t>画面下部で左右に移動し、弾を発射します。</a:t>
-            </a:r>
-          </a:p>
-          <a:p>
-            <a:endParaRPr lang="en-US" altLang="ja-JP" sz="2800">
+              <a:rPr lang="ja-JP" altLang="en-US" sz="2800" dirty="0">
+                <a:ea typeface="メイリオ"/>
+              </a:rPr>
+              <a:t>画面下部で左右に移動し、弾を発射する</a:t>
+            </a:r>
+          </a:p>
+          <a:p>
+            <a:endParaRPr lang="en-US" altLang="ja-JP" sz="2800" dirty="0">
               <a:ea typeface="メイリオ"/>
             </a:endParaRPr>
           </a:p>
           <a:p>
             <a:r>
-              <a:rPr lang="ja-JP" altLang="en-US" sz="2800">
+              <a:rPr lang="ja-JP" altLang="en-US" sz="2800" dirty="0">
                 <a:ea typeface="メイリオ"/>
               </a:rPr>
               <a:t>敵機 </a:t>
             </a:r>
             <a:r>
-              <a:rPr lang="en-US" altLang="ja-JP" sz="2800">
+              <a:rPr lang="en-US" altLang="ja-JP" sz="2800" dirty="0">
                 <a:ea typeface="メイリオ"/>
               </a:rPr>
               <a:t>(Enemy): </a:t>
             </a:r>
             <a:r>
-              <a:rPr lang="ja-JP" altLang="en-US" sz="2800">
-                <a:ea typeface="メイリオ"/>
-              </a:rPr>
-              <a:t>画面上部から出現し、左右に移動しながら弾を発射します 。</a:t>
-            </a:r>
-          </a:p>
-          <a:p>
-            <a:endParaRPr lang="en-US" altLang="ja-JP" sz="2800">
+              <a:rPr lang="ja-JP" altLang="en-US" sz="2800" dirty="0">
+                <a:ea typeface="メイリオ"/>
+              </a:rPr>
+              <a:t>画面上部から出現し、左右に移動しながら弾を発射する</a:t>
+            </a:r>
+          </a:p>
+          <a:p>
+            <a:endParaRPr lang="en-US" altLang="ja-JP" sz="2800" dirty="0">
               <a:ea typeface="メイリオ"/>
             </a:endParaRPr>
           </a:p>
           <a:p>
             <a:r>
-              <a:rPr lang="ja-JP" altLang="en-US" sz="2800">
+              <a:rPr lang="ja-JP" altLang="en-US" sz="2800" dirty="0">
                 <a:ea typeface="メイリオ"/>
               </a:rPr>
               <a:t>弾 </a:t>
             </a:r>
             <a:r>
-              <a:rPr lang="en-US" altLang="ja-JP" sz="2800">
+              <a:rPr lang="en-US" altLang="ja-JP" sz="2800" dirty="0">
                 <a:ea typeface="メイリオ"/>
               </a:rPr>
               <a:t>(Bullet/</a:t>
             </a:r>
             <a:r>
-              <a:rPr lang="en-US" altLang="ja-JP" sz="2800" err="1">
+              <a:rPr lang="en-US" altLang="ja-JP" sz="2800" dirty="0" err="1">
                 <a:ea typeface="メイリオ"/>
               </a:rPr>
               <a:t>EnemyBullet</a:t>
             </a:r>
             <a:r>
-              <a:rPr lang="en-US" altLang="ja-JP" sz="2800">
+              <a:rPr lang="en-US" altLang="ja-JP" sz="2800" dirty="0">
                 <a:ea typeface="メイリオ"/>
               </a:rPr>
               <a:t>): </a:t>
             </a:r>
             <a:r>
-              <a:rPr lang="ja-JP" altLang="en-US" sz="2800">
-                <a:ea typeface="メイリオ"/>
-              </a:rPr>
-              <a:t>自機からは赤い弾が、敵からは黄色い弾が発射されます 。</a:t>
+              <a:rPr lang="ja-JP" altLang="en-US" sz="2800" dirty="0">
+                <a:ea typeface="メイリオ"/>
+              </a:rPr>
+              <a:t>自機からは赤い弾が、敵からは黄色い弾が発射される</a:t>
             </a:r>
           </a:p>
           <a:p>
             <a:pPr marL="0" indent="0">
               <a:buNone/>
             </a:pPr>
-            <a:endParaRPr lang="en-US" altLang="ja-JP">
+            <a:endParaRPr lang="en-US" altLang="ja-JP" dirty="0">
               <a:ea typeface="メイリオ"/>
             </a:endParaRPr>
           </a:p>
@@ -6641,7 +6641,7 @@
             <a:pPr marL="0" indent="0">
               <a:buNone/>
             </a:pPr>
-            <a:endParaRPr lang="ja-JP" altLang="en-US">
+            <a:endParaRPr lang="ja-JP" altLang="en-US" dirty="0">
               <a:latin typeface="Arial"/>
               <a:ea typeface="メイリオ"/>
               <a:cs typeface="Arial"/>
@@ -6744,7 +6744,7 @@
             <a:pPr marL="0" indent="0">
               <a:buNone/>
             </a:pPr>
-            <a:endParaRPr lang="en-US" altLang="ja-JP" sz="2400">
+            <a:endParaRPr lang="en-US" altLang="ja-JP" sz="2400" dirty="0">
               <a:ea typeface="メイリオ"/>
             </a:endParaRPr>
           </a:p>
@@ -6753,30 +6753,30 @@
               <a:buNone/>
             </a:pPr>
             <a:r>
-              <a:rPr kumimoji="1" lang="ja-JP" altLang="en-US" sz="2400" b="1">
+              <a:rPr kumimoji="1" lang="ja-JP" altLang="en-US" sz="2400" b="1" dirty="0">
                 <a:ea typeface="メイリオ"/>
               </a:rPr>
               <a:t>プレイヤー（</a:t>
             </a:r>
             <a:r>
-              <a:rPr lang="ja-JP" altLang="en-US" sz="2400" b="1">
+              <a:rPr lang="ja-JP" altLang="en-US" sz="2400" b="1" dirty="0">
                 <a:ea typeface="メイリオ"/>
               </a:rPr>
               <a:t>自機</a:t>
             </a:r>
             <a:r>
-              <a:rPr kumimoji="1" lang="ja-JP" altLang="en-US" sz="2400" b="1">
+              <a:rPr kumimoji="1" lang="ja-JP" altLang="en-US" sz="2400" b="1" dirty="0">
                 <a:ea typeface="メイリオ"/>
               </a:rPr>
               <a:t>）の操作</a:t>
             </a:r>
             <a:r>
-              <a:rPr kumimoji="1" lang="en-US" altLang="ja-JP" sz="2400" b="1">
+              <a:rPr kumimoji="1" lang="en-US" altLang="ja-JP" sz="2400" b="1" dirty="0">
                 <a:ea typeface="メイリオ"/>
               </a:rPr>
               <a:t>:</a:t>
             </a:r>
-            <a:endParaRPr lang="ja-JP" altLang="en-US" sz="2400" b="1">
+            <a:endParaRPr lang="ja-JP" altLang="en-US" sz="2400" b="1" dirty="0">
               <a:ea typeface="メイリオ"/>
             </a:endParaRPr>
           </a:p>
@@ -6785,24 +6785,24 @@
               <a:buNone/>
             </a:pPr>
             <a:r>
-              <a:rPr kumimoji="1" lang="ja-JP" altLang="en-US" sz="2400">
+              <a:rPr kumimoji="1" lang="ja-JP" altLang="en-US" sz="2400" dirty="0">
                 <a:ea typeface="メイリオ"/>
               </a:rPr>
               <a:t>移動</a:t>
             </a:r>
             <a:r>
-              <a:rPr kumimoji="1" lang="en-US" altLang="ja-JP" sz="2400">
+              <a:rPr kumimoji="1" lang="en-US" altLang="ja-JP" sz="2400" dirty="0">
                 <a:ea typeface="メイリオ"/>
               </a:rPr>
               <a:t>: </a:t>
             </a:r>
             <a:r>
-              <a:rPr kumimoji="1" lang="ja-JP" altLang="en-US" sz="2400">
-                <a:ea typeface="メイリオ"/>
-              </a:rPr>
-              <a:t>左右の矢印キーで自機を左右に移動させます 。</a:t>
-            </a:r>
-            <a:endParaRPr lang="ja-JP" altLang="en-US" sz="2400">
+              <a:rPr kumimoji="1" lang="ja-JP" altLang="en-US" sz="2400" dirty="0">
+                <a:ea typeface="メイリオ"/>
+              </a:rPr>
+              <a:t>左右の矢印キーで自機を左右に移動</a:t>
+            </a:r>
+            <a:endParaRPr lang="ja-JP" altLang="en-US" sz="2400" dirty="0">
               <a:ea typeface="メイリオ"/>
             </a:endParaRPr>
           </a:p>
@@ -6811,29 +6811,29 @@
               <a:buNone/>
             </a:pPr>
             <a:r>
-              <a:rPr kumimoji="1" lang="ja-JP" altLang="en-US" sz="2400">
+              <a:rPr kumimoji="1" lang="ja-JP" altLang="en-US" sz="2400" dirty="0">
                 <a:ea typeface="メイリオ"/>
               </a:rPr>
               <a:t>弾の発射</a:t>
             </a:r>
             <a:r>
-              <a:rPr kumimoji="1" lang="en-US" altLang="ja-JP" sz="2400">
+              <a:rPr kumimoji="1" lang="en-US" altLang="ja-JP" sz="2400" dirty="0">
                 <a:ea typeface="メイリオ"/>
               </a:rPr>
               <a:t>: </a:t>
             </a:r>
             <a:r>
-              <a:rPr kumimoji="1" lang="ja-JP" altLang="en-US" sz="2400">
-                <a:ea typeface="メイリオ"/>
-              </a:rPr>
-              <a:t>スペースキーを押すと、自機から弾が発射されます 。</a:t>
-            </a:r>
-            <a:endParaRPr lang="ja-JP" altLang="en-US" sz="2400">
+              <a:rPr kumimoji="1" lang="ja-JP" altLang="en-US" sz="2400" dirty="0">
+                <a:ea typeface="メイリオ"/>
+              </a:rPr>
+              <a:t>スペースキーを押すと、自機から弾が発射される</a:t>
+            </a:r>
+            <a:endParaRPr lang="ja-JP" altLang="en-US" sz="2400" dirty="0">
               <a:ea typeface="メイリオ"/>
             </a:endParaRPr>
           </a:p>
           <a:p>
-            <a:endParaRPr lang="en-US" altLang="ja-JP" sz="2400">
+            <a:endParaRPr lang="en-US" altLang="ja-JP" sz="2400" dirty="0">
               <a:ea typeface="メイリオ"/>
             </a:endParaRPr>
           </a:p>
@@ -6851,7 +6851,7 @@
               <a:buNone/>
             </a:pPr>
             <a:r>
-              <a:rPr kumimoji="0" lang="ja-JP" altLang="en-US" sz="2400" b="1">
+              <a:rPr kumimoji="0" lang="ja-JP" altLang="en-US" sz="2400" b="1" dirty="0">
                 <a:latin typeface="Arial"/>
                 <a:ea typeface="メイリオ"/>
                 <a:cs typeface="Arial"/>
@@ -6859,14 +6859,14 @@
               <a:t>敵の行動パターン</a:t>
             </a:r>
             <a:r>
-              <a:rPr kumimoji="0" lang="en-US" altLang="ja-JP" sz="2400" b="1">
+              <a:rPr kumimoji="0" lang="en-US" altLang="ja-JP" sz="2400" b="1" dirty="0">
                 <a:latin typeface="Arial"/>
                 <a:ea typeface="メイリオ"/>
                 <a:cs typeface="Arial"/>
               </a:rPr>
               <a:t>:</a:t>
             </a:r>
-            <a:endParaRPr lang="ja-JP" altLang="en-US" sz="2400" b="1">
+            <a:endParaRPr lang="ja-JP" altLang="en-US" sz="2400" b="1" dirty="0">
               <a:latin typeface="Arial"/>
               <a:ea typeface="メイリオ"/>
               <a:cs typeface="Arial"/>
@@ -6885,7 +6885,7 @@
               </a:spcAft>
               <a:buNone/>
             </a:pPr>
-            <a:endParaRPr lang="en-US" altLang="ja-JP" sz="2400">
+            <a:endParaRPr lang="en-US" altLang="ja-JP" sz="2400" dirty="0">
               <a:latin typeface="Arial" panose="020B0604020202020204" pitchFamily="34" charset="0"/>
               <a:ea typeface="メイリオ"/>
               <a:cs typeface="Arial"/>
@@ -6905,7 +6905,7 @@
               <a:buNone/>
             </a:pPr>
             <a:r>
-              <a:rPr kumimoji="0" lang="ja-JP" altLang="en-US" sz="2400">
+              <a:rPr kumimoji="0" lang="ja-JP" altLang="en-US" sz="2400" dirty="0">
                 <a:latin typeface="Arial"/>
                 <a:ea typeface="メイリオ"/>
                 <a:cs typeface="Arial"/>
@@ -6913,7 +6913,7 @@
               <a:t>敵の移動</a:t>
             </a:r>
             <a:r>
-              <a:rPr kumimoji="0" lang="en-US" altLang="ja-JP" sz="2400">
+              <a:rPr kumimoji="0" lang="en-US" altLang="ja-JP" sz="2400" dirty="0">
                 <a:latin typeface="Arial"/>
                 <a:ea typeface="メイリオ"/>
                 <a:cs typeface="Arial"/>
@@ -6921,14 +6921,14 @@
               <a:t>:</a:t>
             </a:r>
             <a:r>
-              <a:rPr kumimoji="0" lang="ja-JP" altLang="en-US" sz="2400">
+              <a:rPr kumimoji="0" lang="ja-JP" altLang="en-US" sz="2400" dirty="0">
                 <a:latin typeface="Arial"/>
                 <a:ea typeface="メイリオ"/>
                 <a:cs typeface="Arial"/>
               </a:rPr>
-              <a:t>　敵は画面上部で左右に移動します 。画面の端に到達すると、移動方向を反転させます 。</a:t>
-            </a:r>
-            <a:endParaRPr lang="ja-JP" altLang="en-US" sz="2400">
+              <a:t>　敵は画面上部で左右に移動します 。画面の端に到達すると、移動方向を反転させる</a:t>
+            </a:r>
+            <a:endParaRPr lang="ja-JP" altLang="en-US" sz="2400" dirty="0">
               <a:latin typeface="Arial"/>
               <a:ea typeface="メイリオ"/>
               <a:cs typeface="Arial"/>
@@ -6947,7 +6947,7 @@
               </a:spcAft>
               <a:buNone/>
             </a:pPr>
-            <a:endParaRPr lang="en-US" altLang="ja-JP" sz="2400">
+            <a:endParaRPr lang="en-US" altLang="ja-JP" sz="2400" dirty="0">
               <a:latin typeface="Arial" panose="020B0604020202020204" pitchFamily="34" charset="0"/>
               <a:ea typeface="メイリオ"/>
               <a:cs typeface="Arial"/>
@@ -6967,7 +6967,7 @@
               <a:buNone/>
             </a:pPr>
             <a:r>
-              <a:rPr kumimoji="0" lang="ja-JP" altLang="en-US" sz="2400">
+              <a:rPr kumimoji="0" lang="ja-JP" altLang="en-US" sz="2400" dirty="0">
                 <a:latin typeface="Arial"/>
                 <a:ea typeface="メイリオ"/>
                 <a:cs typeface="Arial"/>
@@ -6975,7 +6975,7 @@
               <a:t>敵の攻撃</a:t>
             </a:r>
             <a:r>
-              <a:rPr kumimoji="0" lang="en-US" altLang="ja-JP" sz="2400">
+              <a:rPr kumimoji="0" lang="en-US" altLang="ja-JP" sz="2400" dirty="0">
                 <a:latin typeface="Arial"/>
                 <a:ea typeface="メイリオ"/>
                 <a:cs typeface="Arial"/>
@@ -6983,18 +6983,21 @@
               <a:t>:</a:t>
             </a:r>
             <a:r>
-              <a:rPr kumimoji="0" lang="ja-JP" altLang="en-US" sz="2400">
+              <a:rPr kumimoji="0" lang="ja-JP" altLang="en-US" sz="2400" dirty="0">
                 <a:latin typeface="Arial"/>
                 <a:ea typeface="メイリオ"/>
                 <a:cs typeface="Arial"/>
               </a:rPr>
-              <a:t>　一定の間隔で、生きている敵の中からランダムに選ばれた敵が弾を発射します 。</a:t>
-            </a:r>
-            <a:endParaRPr lang="ja-JP" altLang="en-US" sz="2400">
-              <a:latin typeface="Arial"/>
-              <a:ea typeface="メイリオ"/>
-              <a:cs typeface="Arial"/>
-            </a:endParaRPr>
+              <a:t>　一定の間隔で、生きている敵の中からランダムに選ばれた敵が弾を発射</a:t>
+            </a:r>
+            <a:r>
+              <a:rPr lang="ja-JP" altLang="en-US" sz="2400" dirty="0">
+                <a:latin typeface="Arial"/>
+                <a:ea typeface="メイリオ"/>
+                <a:cs typeface="Arial"/>
+              </a:rPr>
+              <a:t>する</a:t>
+            </a:r>
           </a:p>
           <a:p>
             <a:pPr marL="0" lvl="0" indent="0" eaLnBrk="0" fontAlgn="base" hangingPunct="0">
@@ -7010,21 +7013,24 @@
               <a:buNone/>
             </a:pPr>
             <a:r>
-              <a:rPr kumimoji="0" lang="ja-JP" altLang="en-US" sz="2400">
+              <a:rPr kumimoji="0" lang="ja-JP" altLang="en-US" sz="2400" dirty="0">
                 <a:latin typeface="Arial"/>
                 <a:ea typeface="メイリオ"/>
                 <a:cs typeface="Arial"/>
               </a:rPr>
-              <a:t>敵弾は下方向へ移動します 。</a:t>
-            </a:r>
-            <a:endParaRPr lang="ja-JP" altLang="en-US" sz="2400">
-              <a:latin typeface="Arial"/>
-              <a:ea typeface="メイリオ"/>
-              <a:cs typeface="Arial"/>
-            </a:endParaRPr>
-          </a:p>
-          <a:p>
-            <a:endParaRPr kumimoji="1" lang="ja-JP" altLang="en-US"/>
+              <a:t>敵弾は下方向へ移動</a:t>
+            </a:r>
+            <a:r>
+              <a:rPr lang="ja-JP" altLang="en-US" sz="2400" dirty="0">
+                <a:latin typeface="Arial"/>
+                <a:ea typeface="メイリオ"/>
+                <a:cs typeface="Arial"/>
+              </a:rPr>
+              <a:t>する</a:t>
+            </a:r>
+          </a:p>
+          <a:p>
+            <a:endParaRPr kumimoji="1" lang="ja-JP" altLang="en-US" dirty="0"/>
           </a:p>
         </p:txBody>
       </p:sp>
@@ -7247,13 +7253,13 @@
           <a:lstStyle/>
           <a:p>
             <a:r>
-              <a:rPr lang="ja-JP" altLang="en-US" sz="2800" b="1">
+              <a:rPr lang="ja-JP" altLang="en-US" sz="2800" b="1" dirty="0">
                 <a:ea typeface="メイリオ"/>
               </a:rPr>
               <a:t>主要なクラス</a:t>
             </a:r>
             <a:r>
-              <a:rPr lang="en-US" altLang="ja-JP" sz="2800" b="1">
+              <a:rPr lang="en-US" altLang="ja-JP" sz="2800" b="1" dirty="0">
                 <a:ea typeface="メイリオ"/>
               </a:rPr>
               <a:t>:</a:t>
@@ -7261,92 +7267,92 @@
           </a:p>
           <a:p>
             <a:r>
-              <a:rPr lang="en-US" altLang="ja-JP" sz="2800">
+              <a:rPr lang="en-US" altLang="ja-JP" sz="2800" dirty="0">
                 <a:ea typeface="メイリオ"/>
               </a:rPr>
               <a:t>Player: </a:t>
             </a:r>
             <a:r>
-              <a:rPr lang="ja-JP" altLang="en-US" sz="2800">
-                <a:ea typeface="メイリオ"/>
-              </a:rPr>
-              <a:t>自機の動作を管理 。</a:t>
-            </a:r>
-            <a:endParaRPr lang="en-US" altLang="ja-JP" sz="2800">
+              <a:rPr lang="ja-JP" altLang="en-US" sz="2800" dirty="0">
+                <a:ea typeface="メイリオ"/>
+              </a:rPr>
+              <a:t>自機の動作を管理</a:t>
+            </a:r>
+            <a:endParaRPr lang="en-US" altLang="ja-JP" sz="2800" dirty="0">
               <a:ea typeface="メイリオ"/>
             </a:endParaRPr>
           </a:p>
           <a:p>
             <a:r>
-              <a:rPr lang="en-US" altLang="ja-JP" sz="2800">
+              <a:rPr lang="en-US" altLang="ja-JP" sz="2800" dirty="0">
                 <a:ea typeface="メイリオ"/>
               </a:rPr>
               <a:t>Enemy: </a:t>
             </a:r>
             <a:r>
-              <a:rPr lang="ja-JP" altLang="en-US" sz="2800">
-                <a:ea typeface="メイリオ"/>
-              </a:rPr>
-              <a:t>敵機の動作を管理 。</a:t>
-            </a:r>
-            <a:endParaRPr lang="en-US" altLang="ja-JP" sz="2800">
+              <a:rPr lang="ja-JP" altLang="en-US" sz="2800" dirty="0">
+                <a:ea typeface="メイリオ"/>
+              </a:rPr>
+              <a:t>敵機の動作を管理</a:t>
+            </a:r>
+            <a:endParaRPr lang="en-US" altLang="ja-JP" sz="2800" dirty="0">
               <a:ea typeface="メイリオ"/>
             </a:endParaRPr>
           </a:p>
           <a:p>
             <a:r>
-              <a:rPr lang="en-US" altLang="ja-JP" sz="2800">
+              <a:rPr lang="en-US" altLang="ja-JP" sz="2800" dirty="0">
                 <a:ea typeface="メイリオ"/>
               </a:rPr>
               <a:t>Bullet: </a:t>
             </a:r>
             <a:r>
-              <a:rPr lang="ja-JP" altLang="en-US" sz="2800">
-                <a:ea typeface="メイリオ"/>
-              </a:rPr>
-              <a:t>自機が発射する弾を管理 。</a:t>
-            </a:r>
-            <a:endParaRPr lang="en-US" altLang="ja-JP" sz="2800">
+              <a:rPr lang="ja-JP" altLang="en-US" sz="2800" dirty="0">
+                <a:ea typeface="メイリオ"/>
+              </a:rPr>
+              <a:t>自機が発射する弾を管理</a:t>
+            </a:r>
+            <a:endParaRPr lang="en-US" altLang="ja-JP" sz="2800" dirty="0">
               <a:ea typeface="メイリオ"/>
             </a:endParaRPr>
           </a:p>
           <a:p>
             <a:r>
-              <a:rPr lang="en-US" altLang="ja-JP" sz="2800" err="1">
+              <a:rPr lang="en-US" altLang="ja-JP" sz="2800" dirty="0" err="1">
                 <a:ea typeface="メイリオ"/>
               </a:rPr>
               <a:t>EnemyBullet</a:t>
             </a:r>
             <a:r>
-              <a:rPr lang="en-US" altLang="ja-JP" sz="2800">
+              <a:rPr lang="en-US" altLang="ja-JP" sz="2800" dirty="0">
                 <a:ea typeface="メイリオ"/>
               </a:rPr>
               <a:t>: </a:t>
             </a:r>
             <a:r>
-              <a:rPr lang="ja-JP" altLang="en-US" sz="2800">
-                <a:ea typeface="メイリオ"/>
-              </a:rPr>
-              <a:t>敵機が発射する弾を管理 。</a:t>
-            </a:r>
-            <a:endParaRPr lang="en-US" altLang="ja-JP" sz="2800">
+              <a:rPr lang="ja-JP" altLang="en-US" sz="2800" dirty="0">
+                <a:ea typeface="メイリオ"/>
+              </a:rPr>
+              <a:t>敵機が発射する弾を管理</a:t>
+            </a:r>
+            <a:endParaRPr lang="en-US" altLang="ja-JP" sz="2800" dirty="0">
               <a:ea typeface="メイリオ"/>
             </a:endParaRPr>
           </a:p>
           <a:p>
-            <a:endParaRPr lang="en-US" altLang="ja-JP" sz="2800">
+            <a:endParaRPr lang="en-US" altLang="ja-JP" sz="2800" dirty="0">
               <a:ea typeface="メイリオ"/>
             </a:endParaRPr>
           </a:p>
           <a:p>
             <a:r>
-              <a:rPr lang="ja-JP" altLang="en-US" sz="2800" b="1">
+              <a:rPr lang="ja-JP" altLang="en-US" sz="2800" b="1" dirty="0">
                 <a:ea typeface="メイリオ"/>
               </a:rPr>
               <a:t>衝突判定</a:t>
             </a:r>
             <a:r>
-              <a:rPr lang="en-US" altLang="ja-JP" sz="2800" b="1">
+              <a:rPr lang="en-US" altLang="ja-JP" sz="2800" b="1" dirty="0">
                 <a:ea typeface="メイリオ"/>
               </a:rPr>
               <a:t>:</a:t>
@@ -7354,28 +7360,28 @@
           </a:p>
           <a:p>
             <a:r>
-              <a:rPr lang="ja-JP" altLang="en-US" sz="2800">
-                <a:ea typeface="メイリオ"/>
-              </a:rPr>
-              <a:t>プレイヤーの弾と敵の衝突 。</a:t>
-            </a:r>
-            <a:endParaRPr lang="en-US" altLang="ja-JP" sz="2800">
+              <a:rPr lang="ja-JP" altLang="en-US" sz="2800" dirty="0">
+                <a:ea typeface="メイリオ"/>
+              </a:rPr>
+              <a:t>プレイヤーの弾と敵の衝突</a:t>
+            </a:r>
+            <a:endParaRPr lang="en-US" altLang="ja-JP" sz="2800" dirty="0">
               <a:ea typeface="メイリオ"/>
             </a:endParaRPr>
           </a:p>
           <a:p>
             <a:r>
-              <a:rPr lang="ja-JP" altLang="en-US" sz="2800">
-                <a:ea typeface="メイリオ"/>
-              </a:rPr>
-              <a:t>敵の弾とプレイヤーの衝突 。</a:t>
-            </a:r>
-            <a:endParaRPr lang="en-US" altLang="ja-JP" sz="2800">
+              <a:rPr lang="ja-JP" altLang="en-US" sz="2800" dirty="0">
+                <a:ea typeface="メイリオ"/>
+              </a:rPr>
+              <a:t>敵の弾とプレイヤーの衝突</a:t>
+            </a:r>
+            <a:endParaRPr lang="en-US" altLang="ja-JP" sz="2800" dirty="0">
               <a:ea typeface="メイリオ"/>
             </a:endParaRPr>
           </a:p>
           <a:p>
-            <a:endParaRPr lang="ja-JP" altLang="en-US"/>
+            <a:endParaRPr lang="ja-JP" altLang="en-US" dirty="0"/>
           </a:p>
         </p:txBody>
       </p:sp>
@@ -7910,24 +7916,24 @@
           </a:bodyPr>
           <a:lstStyle/>
           <a:p>
-            <a:endParaRPr lang="en-US" altLang="ja-JP" sz="2400" b="1">
+            <a:endParaRPr lang="en-US" altLang="ja-JP" sz="2400" b="1" dirty="0">
               <a:ea typeface="メイリオ"/>
             </a:endParaRPr>
           </a:p>
           <a:p>
-            <a:endParaRPr lang="en-US" altLang="ja-JP" sz="2400">
+            <a:endParaRPr lang="en-US" altLang="ja-JP" sz="2400" dirty="0">
               <a:ea typeface="メイリオ"/>
             </a:endParaRPr>
           </a:p>
           <a:p>
             <a:r>
-              <a:rPr lang="ja-JP" altLang="en-US" sz="2400" b="1">
+              <a:rPr lang="ja-JP" altLang="en-US" sz="2400" b="1" dirty="0">
                 <a:ea typeface="メイリオ"/>
               </a:rPr>
               <a:t>ゲーム管理</a:t>
             </a:r>
             <a:r>
-              <a:rPr lang="en-US" altLang="ja-JP" sz="2400" b="1">
+              <a:rPr lang="en-US" altLang="ja-JP" sz="2400" b="1" dirty="0">
                 <a:ea typeface="メイリオ"/>
               </a:rPr>
               <a:t>:</a:t>
@@ -7935,40 +7941,40 @@
           </a:p>
           <a:p>
             <a:r>
-              <a:rPr lang="en-US" altLang="ja-JP" sz="2400" err="1">
+              <a:rPr lang="en-US" altLang="ja-JP" sz="2400" dirty="0" err="1">
                 <a:ea typeface="メイリオ"/>
               </a:rPr>
               <a:t>main.pde</a:t>
             </a:r>
             <a:r>
-              <a:rPr lang="en-US" altLang="ja-JP" sz="2400">
+              <a:rPr lang="en-US" altLang="ja-JP" sz="2400" dirty="0">
                 <a:ea typeface="メイリオ"/>
               </a:rPr>
               <a:t> </a:t>
             </a:r>
             <a:r>
-              <a:rPr lang="ja-JP" altLang="en-US" sz="2400">
-                <a:ea typeface="メイリオ"/>
-              </a:rPr>
-              <a:t>でゲームの状態を管理し、各画面の描画を制御しています 。</a:t>
-            </a:r>
-            <a:r>
-              <a:rPr lang="en-US" altLang="ja-JP" sz="2400" err="1">
+              <a:rPr lang="ja-JP" altLang="en-US" sz="2400" dirty="0">
+                <a:ea typeface="メイリオ"/>
+              </a:rPr>
+              <a:t>でゲームの状態を管理し、各画面の描画を制御している</a:t>
+            </a:r>
+            <a:r>
+              <a:rPr lang="en-US" altLang="ja-JP" sz="2400" dirty="0" err="1">
                 <a:ea typeface="メイリオ"/>
               </a:rPr>
               <a:t>ArrayList</a:t>
             </a:r>
             <a:r>
-              <a:rPr lang="en-US" altLang="ja-JP" sz="2400">
+              <a:rPr lang="en-US" altLang="ja-JP" sz="2400" dirty="0">
                 <a:ea typeface="メイリオ"/>
               </a:rPr>
               <a:t> </a:t>
             </a:r>
             <a:r>
-              <a:rPr lang="ja-JP" altLang="en-US" sz="2400">
-                <a:ea typeface="メイリオ"/>
-              </a:rPr>
-              <a:t>を使用して、複数の弾や敵を効率的に管理しています 。</a:t>
+              <a:rPr lang="ja-JP" altLang="en-US" sz="2400" dirty="0">
+                <a:ea typeface="メイリオ"/>
+              </a:rPr>
+              <a:t>を使用して、複数の弾や敵を効率的に管理している</a:t>
             </a:r>
           </a:p>
         </p:txBody>
@@ -8253,6 +8259,14 @@
 </file>
 
 <file path=customXml/item2.xml><?xml version="1.0" encoding="utf-8"?>
+<p:properties xmlns:p="http://schemas.microsoft.com/office/2006/metadata/properties" xmlns:xsi="http://www.w3.org/2001/XMLSchema-instance" xmlns:pc="http://schemas.microsoft.com/office/infopath/2007/PartnerControls">
+  <documentManagement>
+    <_activity xmlns="8cfd7595-76d8-4469-b5b7-e7a1174de2a9" xsi:nil="true"/>
+  </documentManagement>
+</p:properties>
+</file>
+
+<file path=customXml/item3.xml><?xml version="1.0" encoding="utf-8"?>
 <ct:contentTypeSchema xmlns:ct="http://schemas.microsoft.com/office/2006/metadata/contentType" xmlns:ma="http://schemas.microsoft.com/office/2006/metadata/properties/metaAttributes" ct:_="" ma:_="" ma:contentTypeName="ドキュメント" ma:contentTypeID="0x01010002B7900E1F403E48B95F1AC13130EFEB" ma:contentTypeVersion="8" ma:contentTypeDescription="新しいドキュメントを作成します。" ma:contentTypeScope="" ma:versionID="78a9e0c7ee1635e8b4c606333b4c5795">
   <xsd:schema xmlns:xsd="http://www.w3.org/2001/XMLSchema" xmlns:xs="http://www.w3.org/2001/XMLSchema" xmlns:p="http://schemas.microsoft.com/office/2006/metadata/properties" xmlns:ns3="8cfd7595-76d8-4469-b5b7-e7a1174de2a9" xmlns:ns4="b401b231-cd6c-4271-a6ae-232d3a374b02" targetNamespace="http://schemas.microsoft.com/office/2006/metadata/properties" ma:root="true" ma:fieldsID="59b6e6517815f1ff53869d56dfda5340" ns3:_="" ns4:_="">
     <xsd:import namespace="8cfd7595-76d8-4469-b5b7-e7a1174de2a9"/>
@@ -8441,14 +8455,6 @@
 </ct:contentTypeSchema>
 </file>
 
-<file path=customXml/item3.xml><?xml version="1.0" encoding="utf-8"?>
-<p:properties xmlns:p="http://schemas.microsoft.com/office/2006/metadata/properties" xmlns:xsi="http://www.w3.org/2001/XMLSchema-instance" xmlns:pc="http://schemas.microsoft.com/office/infopath/2007/PartnerControls">
-  <documentManagement>
-    <_activity xmlns="8cfd7595-76d8-4469-b5b7-e7a1174de2a9" xsi:nil="true"/>
-  </documentManagement>
-</p:properties>
-</file>
-
 <file path=customXml/itemProps1.xml><?xml version="1.0" encoding="utf-8"?>
 <ds:datastoreItem xmlns:ds="http://schemas.openxmlformats.org/officeDocument/2006/customXml" ds:itemID="{8A1F5B97-5181-48B0-A18B-0FD137D09C30}">
   <ds:schemaRefs>
@@ -8458,6 +8464,23 @@
 </file>
 
 <file path=customXml/itemProps2.xml><?xml version="1.0" encoding="utf-8"?>
+<ds:datastoreItem xmlns:ds="http://schemas.openxmlformats.org/officeDocument/2006/customXml" ds:itemID="{17199048-470B-4877-BF86-0DB4D7023725}">
+  <ds:schemaRefs>
+    <ds:schemaRef ds:uri="http://schemas.microsoft.com/office/infopath/2007/PartnerControls"/>
+    <ds:schemaRef ds:uri="http://purl.org/dc/elements/1.1/"/>
+    <ds:schemaRef ds:uri="b401b231-cd6c-4271-a6ae-232d3a374b02"/>
+    <ds:schemaRef ds:uri="http://purl.org/dc/terms/"/>
+    <ds:schemaRef ds:uri="http://schemas.microsoft.com/office/2006/documentManagement/types"/>
+    <ds:schemaRef ds:uri="http://schemas.microsoft.com/office/2006/metadata/properties"/>
+    <ds:schemaRef ds:uri="8cfd7595-76d8-4469-b5b7-e7a1174de2a9"/>
+    <ds:schemaRef ds:uri="http://purl.org/dc/dcmitype/"/>
+    <ds:schemaRef ds:uri="http://schemas.openxmlformats.org/package/2006/metadata/core-properties"/>
+    <ds:schemaRef ds:uri="http://www.w3.org/XML/1998/namespace"/>
+  </ds:schemaRefs>
+</ds:datastoreItem>
+</file>
+
+<file path=customXml/itemProps3.xml><?xml version="1.0" encoding="utf-8"?>
 <ds:datastoreItem xmlns:ds="http://schemas.openxmlformats.org/officeDocument/2006/customXml" ds:itemID="{062C368C-BF7C-4084-B42B-A55D121E6CDB}">
   <ds:schemaRefs>
     <ds:schemaRef ds:uri="8cfd7595-76d8-4469-b5b7-e7a1174de2a9"/>
@@ -8474,21 +8497,4 @@
     <ds:schemaRef ds:uri="http://www.w3.org/2001/XMLSchema"/>
   </ds:schemaRefs>
 </ds:datastoreItem>
-</file>
-
-<file path=customXml/itemProps3.xml><?xml version="1.0" encoding="utf-8"?>
-<ds:datastoreItem xmlns:ds="http://schemas.openxmlformats.org/officeDocument/2006/customXml" ds:itemID="{17199048-470B-4877-BF86-0DB4D7023725}">
-  <ds:schemaRefs>
-    <ds:schemaRef ds:uri="http://schemas.microsoft.com/office/infopath/2007/PartnerControls"/>
-    <ds:schemaRef ds:uri="http://purl.org/dc/elements/1.1/"/>
-    <ds:schemaRef ds:uri="b401b231-cd6c-4271-a6ae-232d3a374b02"/>
-    <ds:schemaRef ds:uri="http://purl.org/dc/terms/"/>
-    <ds:schemaRef ds:uri="http://schemas.microsoft.com/office/2006/documentManagement/types"/>
-    <ds:schemaRef ds:uri="http://schemas.microsoft.com/office/2006/metadata/properties"/>
-    <ds:schemaRef ds:uri="8cfd7595-76d8-4469-b5b7-e7a1174de2a9"/>
-    <ds:schemaRef ds:uri="http://purl.org/dc/dcmitype/"/>
-    <ds:schemaRef ds:uri="http://schemas.openxmlformats.org/package/2006/metadata/core-properties"/>
-    <ds:schemaRef ds:uri="http://www.w3.org/XML/1998/namespace"/>
-  </ds:schemaRefs>
-</ds:datastoreItem>
 </file>